--- a/Français/6.Visuals/17.Q and A.pptx
+++ b/Français/6.Visuals/17.Q and A.pptx
@@ -202,7 +202,7 @@
           <a:p>
             <a:fld id="{056BA3B8-9F76-4D81-B71D-76CB85363062}" type="datetimeFigureOut">
               <a:rPr lang="en-US" smtClean="0"/>
-              <a:t>1/5/2025</a:t>
+              <a:t>3/8/2025</a:t>
             </a:fld>
             <a:endParaRPr lang="en-US"/>
           </a:p>
@@ -601,7 +601,7 @@
           <a:p>
             <a:fld id="{6F01DA4D-20EA-48D2-973C-0311EC3005D6}" type="datetimeFigureOut">
               <a:rPr lang="en-US" smtClean="0"/>
-              <a:t>1/5/2025</a:t>
+              <a:t>3/8/2025</a:t>
             </a:fld>
             <a:endParaRPr lang="en-US"/>
           </a:p>
@@ -771,7 +771,7 @@
           <a:p>
             <a:fld id="{6F01DA4D-20EA-48D2-973C-0311EC3005D6}" type="datetimeFigureOut">
               <a:rPr lang="en-US" smtClean="0"/>
-              <a:t>1/5/2025</a:t>
+              <a:t>3/8/2025</a:t>
             </a:fld>
             <a:endParaRPr lang="en-US"/>
           </a:p>
@@ -951,7 +951,7 @@
           <a:p>
             <a:fld id="{6F01DA4D-20EA-48D2-973C-0311EC3005D6}" type="datetimeFigureOut">
               <a:rPr lang="en-US" smtClean="0"/>
-              <a:t>1/5/2025</a:t>
+              <a:t>3/8/2025</a:t>
             </a:fld>
             <a:endParaRPr lang="en-US"/>
           </a:p>
@@ -1121,7 +1121,7 @@
           <a:p>
             <a:fld id="{6F01DA4D-20EA-48D2-973C-0311EC3005D6}" type="datetimeFigureOut">
               <a:rPr lang="en-US" smtClean="0"/>
-              <a:t>1/5/2025</a:t>
+              <a:t>3/8/2025</a:t>
             </a:fld>
             <a:endParaRPr lang="en-US"/>
           </a:p>
@@ -1367,7 +1367,7 @@
           <a:p>
             <a:fld id="{6F01DA4D-20EA-48D2-973C-0311EC3005D6}" type="datetimeFigureOut">
               <a:rPr lang="en-US" smtClean="0"/>
-              <a:t>1/5/2025</a:t>
+              <a:t>3/8/2025</a:t>
             </a:fld>
             <a:endParaRPr lang="en-US"/>
           </a:p>
@@ -1599,7 +1599,7 @@
           <a:p>
             <a:fld id="{6F01DA4D-20EA-48D2-973C-0311EC3005D6}" type="datetimeFigureOut">
               <a:rPr lang="en-US" smtClean="0"/>
-              <a:t>1/5/2025</a:t>
+              <a:t>3/8/2025</a:t>
             </a:fld>
             <a:endParaRPr lang="en-US"/>
           </a:p>
@@ -1966,7 +1966,7 @@
           <a:p>
             <a:fld id="{6F01DA4D-20EA-48D2-973C-0311EC3005D6}" type="datetimeFigureOut">
               <a:rPr lang="en-US" smtClean="0"/>
-              <a:t>1/5/2025</a:t>
+              <a:t>3/8/2025</a:t>
             </a:fld>
             <a:endParaRPr lang="en-US"/>
           </a:p>
@@ -2084,7 +2084,7 @@
           <a:p>
             <a:fld id="{6F01DA4D-20EA-48D2-973C-0311EC3005D6}" type="datetimeFigureOut">
               <a:rPr lang="en-US" smtClean="0"/>
-              <a:t>1/5/2025</a:t>
+              <a:t>3/8/2025</a:t>
             </a:fld>
             <a:endParaRPr lang="en-US"/>
           </a:p>
@@ -2179,7 +2179,7 @@
           <a:p>
             <a:fld id="{6F01DA4D-20EA-48D2-973C-0311EC3005D6}" type="datetimeFigureOut">
               <a:rPr lang="en-US" smtClean="0"/>
-              <a:t>1/5/2025</a:t>
+              <a:t>3/8/2025</a:t>
             </a:fld>
             <a:endParaRPr lang="en-US"/>
           </a:p>
@@ -2456,7 +2456,7 @@
           <a:p>
             <a:fld id="{6F01DA4D-20EA-48D2-973C-0311EC3005D6}" type="datetimeFigureOut">
               <a:rPr lang="en-US" smtClean="0"/>
-              <a:t>1/5/2025</a:t>
+              <a:t>3/8/2025</a:t>
             </a:fld>
             <a:endParaRPr lang="en-US"/>
           </a:p>
@@ -2709,7 +2709,7 @@
           <a:p>
             <a:fld id="{6F01DA4D-20EA-48D2-973C-0311EC3005D6}" type="datetimeFigureOut">
               <a:rPr lang="en-US" smtClean="0"/>
-              <a:t>1/5/2025</a:t>
+              <a:t>3/8/2025</a:t>
             </a:fld>
             <a:endParaRPr lang="en-US"/>
           </a:p>
@@ -2922,7 +2922,7 @@
           <a:p>
             <a:fld id="{6F01DA4D-20EA-48D2-973C-0311EC3005D6}" type="datetimeFigureOut">
               <a:rPr lang="en-US" smtClean="0"/>
-              <a:t>1/5/2025</a:t>
+              <a:t>3/8/2025</a:t>
             </a:fld>
             <a:endParaRPr lang="en-US"/>
           </a:p>
@@ -3357,8 +3357,8 @@
           </a:bodyPr>
           <a:lstStyle/>
           <a:p>
-            <a:pPr xmlns:a="http://schemas.openxmlformats.org/drawingml/2006/main" algn="ctr"/>
-            <a:r xmlns:a="http://schemas.openxmlformats.org/drawingml/2006/main">
+            <a:pPr algn="ctr"/>
+            <a:r>
               <a:rPr lang="fr" sz="8000" b="1" dirty="0">
                 <a:solidFill>
                   <a:srgbClr val="7030A0"/>
@@ -3369,7 +3369,7 @@
               </a:rPr>
               <a:t>Questions et réponses</a:t>
             </a:r>
-            <a:endParaRPr xmlns:a="http://schemas.openxmlformats.org/drawingml/2006/main" lang="en-US" sz="8000" b="1" dirty="0">
+            <a:endParaRPr lang="en-US" sz="8000" b="1" dirty="0">
               <a:solidFill>
                 <a:srgbClr val="7030A0"/>
               </a:solidFill>
@@ -3402,8 +3402,8 @@
           </a:bodyPr>
           <a:lstStyle/>
           <a:p>
-            <a:pPr xmlns:a="http://schemas.openxmlformats.org/drawingml/2006/main" algn="ctr"/>
-            <a:r xmlns:a="http://schemas.openxmlformats.org/drawingml/2006/main">
+            <a:pPr algn="ctr"/>
+            <a:r>
               <a:rPr lang="fr" sz="8000" b="1" dirty="0" smtClean="0">
                 <a:solidFill>
                   <a:schemeClr val="bg1"/>
@@ -3414,7 +3414,7 @@
               </a:rPr>
               <a:t>Questions et réponses</a:t>
             </a:r>
-            <a:endParaRPr xmlns:a="http://schemas.openxmlformats.org/drawingml/2006/main" lang="en-US" sz="8000" b="1" dirty="0">
+            <a:endParaRPr lang="en-US" sz="8000" b="1" dirty="0">
               <a:solidFill>
                 <a:schemeClr val="bg1"/>
               </a:solidFill>
@@ -3477,14 +3477,14 @@
           </a:bodyPr>
           <a:lstStyle/>
           <a:p>
-            <a:r xmlns:a="http://schemas.openxmlformats.org/drawingml/2006/main">
+            <a:r>
               <a:rPr lang="fr" sz="2400" dirty="0" smtClean="0">
                 <a:latin typeface="Segoe UI" panose="020B0502040204020203" pitchFamily="34" charset="0"/>
                 <a:cs typeface="Segoe UI" panose="020B0502040204020203" pitchFamily="34" charset="0"/>
               </a:rPr>
               <a:t>Questions et réponses</a:t>
             </a:r>
-            <a:endParaRPr xmlns:a="http://schemas.openxmlformats.org/drawingml/2006/main" lang="en-US" sz="2400" dirty="0">
+            <a:endParaRPr lang="en-US" sz="2400" dirty="0">
               <a:latin typeface="Segoe UI" panose="020B0502040204020203" pitchFamily="34" charset="0"/>
               <a:cs typeface="Segoe UI" panose="020B0502040204020203" pitchFamily="34" charset="0"/>
             </a:endParaRPr>
@@ -3499,8 +3499,8 @@
         </p:nvSpPr>
         <p:spPr>
           <a:xfrm>
-            <a:off x="378135" y="756271"/>
-            <a:ext cx="6927602" cy="369332"/>
+            <a:off x="537751" y="615697"/>
+            <a:ext cx="5531990" cy="646331"/>
           </a:xfrm>
           <a:prstGeom prst="rect">
             <a:avLst/>
@@ -3508,40 +3508,40 @@
           <a:noFill/>
         </p:spPr>
         <p:txBody>
-          <a:bodyPr wrap="none" rtlCol="0">
+          <a:bodyPr wrap="square" rtlCol="0">
             <a:spAutoFit/>
           </a:bodyPr>
           <a:lstStyle/>
           <a:p>
-            <a:r xmlns:a="http://schemas.openxmlformats.org/drawingml/2006/main">
+            <a:r>
               <a:rPr lang="fr" b="1" dirty="0" smtClean="0">
                 <a:latin typeface="Segoe UI" panose="020B0502040204020203" pitchFamily="34" charset="0"/>
                 <a:cs typeface="Segoe UI" panose="020B0502040204020203" pitchFamily="34" charset="0"/>
               </a:rPr>
               <a:t>Remarque : </a:t>
             </a:r>
-            <a:r xmlns:a="http://schemas.openxmlformats.org/drawingml/2006/main">
+            <a:r>
               <a:rPr lang="fr" dirty="0" smtClean="0">
                 <a:latin typeface="Segoe UI" panose="020B0502040204020203" pitchFamily="34" charset="0"/>
                 <a:cs typeface="Segoe UI" panose="020B0502040204020203" pitchFamily="34" charset="0"/>
               </a:rPr>
               <a:t>ce laboratoire est basé sur le fichier Excel </a:t>
             </a:r>
-            <a:r xmlns:a="http://schemas.openxmlformats.org/drawingml/2006/main">
+            <a:r>
               <a:rPr lang="fr" b="1" dirty="0" smtClean="0">
                 <a:latin typeface="Segoe UI" panose="020B0502040204020203" pitchFamily="34" charset="0"/>
                 <a:cs typeface="Segoe UI" panose="020B0502040204020203" pitchFamily="34" charset="0"/>
               </a:rPr>
               <a:t>Sales.xlsx </a:t>
             </a:r>
-            <a:r xmlns:a="http://schemas.openxmlformats.org/drawingml/2006/main">
+            <a:r>
               <a:rPr lang="fr" dirty="0" smtClean="0">
                 <a:latin typeface="Segoe UI" panose="020B0502040204020203" pitchFamily="34" charset="0"/>
                 <a:cs typeface="Segoe UI" panose="020B0502040204020203" pitchFamily="34" charset="0"/>
               </a:rPr>
               <a:t>dans les sources Excel</a:t>
             </a:r>
-            <a:endParaRPr xmlns:a="http://schemas.openxmlformats.org/drawingml/2006/main" lang="en-US" dirty="0">
+            <a:endParaRPr lang="en-US" dirty="0">
               <a:latin typeface="Segoe UI" panose="020B0502040204020203" pitchFamily="34" charset="0"/>
               <a:cs typeface="Segoe UI" panose="020B0502040204020203" pitchFamily="34" charset="0"/>
             </a:endParaRPr>
@@ -3570,28 +3570,28 @@
           </a:bodyPr>
           <a:lstStyle/>
           <a:p>
-            <a:r xmlns:a="http://schemas.openxmlformats.org/drawingml/2006/main">
+            <a:r>
               <a:rPr lang="fr" dirty="0" smtClean="0">
                 <a:latin typeface="Segoe UI" panose="020B0502040204020203" pitchFamily="34" charset="0"/>
                 <a:cs typeface="Segoe UI" panose="020B0502040204020203" pitchFamily="34" charset="0"/>
               </a:rPr>
               <a:t>Ajoutez un visuel </a:t>
             </a:r>
-            <a:r xmlns:a="http://schemas.openxmlformats.org/drawingml/2006/main">
+            <a:r>
               <a:rPr lang="fr" b="1" dirty="0" smtClean="0">
                 <a:latin typeface="Segoe UI" panose="020B0502040204020203" pitchFamily="34" charset="0"/>
                 <a:cs typeface="Segoe UI" panose="020B0502040204020203" pitchFamily="34" charset="0"/>
               </a:rPr>
               <a:t>de questions et réponses </a:t>
             </a:r>
-            <a:r xmlns:a="http://schemas.openxmlformats.org/drawingml/2006/main">
+            <a:r>
               <a:rPr lang="fr" dirty="0" smtClean="0">
                 <a:latin typeface="Segoe UI" panose="020B0502040204020203" pitchFamily="34" charset="0"/>
                 <a:cs typeface="Segoe UI" panose="020B0502040204020203" pitchFamily="34" charset="0"/>
               </a:rPr>
               <a:t>à la scène</a:t>
             </a:r>
-            <a:endParaRPr xmlns:a="http://schemas.openxmlformats.org/drawingml/2006/main" lang="en-US" dirty="0">
+            <a:endParaRPr lang="en-US" dirty="0">
               <a:latin typeface="Segoe UI" panose="020B0502040204020203" pitchFamily="34" charset="0"/>
               <a:cs typeface="Segoe UI" panose="020B0502040204020203" pitchFamily="34" charset="0"/>
             </a:endParaRPr>
@@ -3653,7 +3653,7 @@
           </a:bodyPr>
           <a:lstStyle/>
           <a:p>
-            <a:r xmlns:a="http://schemas.openxmlformats.org/drawingml/2006/main">
+            <a:r>
               <a:rPr lang="fr" sz="1400" b="1" dirty="0">
                 <a:latin typeface="Segoe UI" panose="020B0502040204020203" pitchFamily="34" charset="0"/>
                 <a:cs typeface="Segoe UI" panose="020B0502040204020203" pitchFamily="34" charset="0"/>
@@ -3673,7 +3673,7 @@
         </p:nvSpPr>
         <p:spPr bwMode="auto">
           <a:xfrm>
-            <a:off x="8099016" y="3904787"/>
+            <a:off x="8098994" y="4074687"/>
             <a:ext cx="2941262" cy="2123658"/>
           </a:xfrm>
           <a:prstGeom prst="rect">
@@ -3722,7 +3722,7 @@
           </a:bodyPr>
           <a:lstStyle/>
           <a:p>
-            <a:pPr xmlns:a="http://schemas.openxmlformats.org/drawingml/2006/main" marL="0" marR="0" lvl="0" indent="0" algn="l" defTabSz="914400" rtl="0" eaLnBrk="0" fontAlgn="base" latinLnBrk="0" hangingPunct="0">
+            <a:pPr marL="0" marR="0" lvl="0" indent="0" algn="l" defTabSz="914400" rtl="0" eaLnBrk="0" fontAlgn="base" latinLnBrk="0" hangingPunct="0">
               <a:lnSpc>
                 <a:spcPct val="100000"/>
               </a:lnSpc>
@@ -3736,7 +3736,7 @@
               <a:buSzTx/>
               <a:tabLst/>
             </a:pPr>
-            <a:r xmlns:a="http://schemas.openxmlformats.org/drawingml/2006/main">
+            <a:r>
               <a:rPr kumimoji="0" lang="fr" altLang="en-US" sz="1200" b="1" i="0" u="none" strike="noStrike" cap="none" normalizeH="0" baseline="0" dirty="0" smtClean="0">
                 <a:ln>
                   <a:noFill/>
@@ -3750,7 +3750,7 @@
               </a:rPr>
               <a:t>Objectif </a:t>
             </a:r>
-            <a:r xmlns:a="http://schemas.openxmlformats.org/drawingml/2006/main">
+            <a:r>
               <a:rPr kumimoji="0" lang="fr" altLang="en-US" sz="1200" b="0" i="0" u="none" strike="noStrike" cap="none" normalizeH="0" baseline="0" dirty="0" smtClean="0">
                 <a:ln>
                   <a:noFill/>
@@ -3764,7 +3764,7 @@
               </a:rPr>
               <a:t>: Permet aux utilisateurs de </a:t>
             </a:r>
-            <a:r xmlns:a="http://schemas.openxmlformats.org/drawingml/2006/main">
+            <a:r>
               <a:rPr kumimoji="0" lang="fr" altLang="en-US" sz="1200" b="1" i="0" u="none" strike="noStrike" cap="none" normalizeH="0" baseline="0" dirty="0" smtClean="0">
                 <a:ln>
                   <a:noFill/>
@@ -3778,7 +3778,7 @@
               </a:rPr>
               <a:t>saisir une question </a:t>
             </a:r>
-            <a:r xmlns:a="http://schemas.openxmlformats.org/drawingml/2006/main">
+            <a:r>
               <a:rPr kumimoji="0" lang="fr" altLang="en-US" sz="1200" b="0" i="0" u="none" strike="noStrike" cap="none" normalizeH="0" baseline="0" dirty="0" smtClean="0">
                 <a:ln>
                   <a:noFill/>
@@ -3821,7 +3821,7 @@
             </a:endParaRPr>
           </a:p>
           <a:p>
-            <a:pPr xmlns:a="http://schemas.openxmlformats.org/drawingml/2006/main" marL="0" marR="0" lvl="0" indent="0" algn="l" defTabSz="914400" rtl="0" eaLnBrk="0" fontAlgn="base" latinLnBrk="0" hangingPunct="0">
+            <a:pPr marL="0" marR="0" lvl="0" indent="0" algn="l" defTabSz="914400" rtl="0" eaLnBrk="0" fontAlgn="base" latinLnBrk="0" hangingPunct="0">
               <a:lnSpc>
                 <a:spcPct val="100000"/>
               </a:lnSpc>
@@ -3835,7 +3835,7 @@
               <a:buSzTx/>
               <a:tabLst/>
             </a:pPr>
-            <a:r xmlns:a="http://schemas.openxmlformats.org/drawingml/2006/main">
+            <a:r>
               <a:rPr kumimoji="0" lang="fr" altLang="en-US" sz="1200" b="1" i="0" u="none" strike="noStrike" cap="none" normalizeH="0" baseline="0" dirty="0" smtClean="0">
                 <a:ln>
                   <a:noFill/>
@@ -3849,7 +3849,7 @@
               </a:rPr>
               <a:t>Exemple </a:t>
             </a:r>
-            <a:r xmlns:a="http://schemas.openxmlformats.org/drawingml/2006/main">
+            <a:r>
               <a:rPr kumimoji="0" lang="fr" altLang="en-US" sz="1200" b="0" i="0" u="none" strike="noStrike" cap="none" normalizeH="0" baseline="0" dirty="0" smtClean="0">
                 <a:ln>
                   <a:noFill/>
@@ -3892,7 +3892,7 @@
             </a:endParaRPr>
           </a:p>
           <a:p>
-            <a:pPr xmlns:a="http://schemas.openxmlformats.org/drawingml/2006/main" marL="0" marR="0" lvl="0" indent="0" algn="l" defTabSz="914400" rtl="0" eaLnBrk="0" fontAlgn="base" latinLnBrk="0" hangingPunct="0">
+            <a:pPr marL="0" marR="0" lvl="0" indent="0" algn="l" defTabSz="914400" rtl="0" eaLnBrk="0" fontAlgn="base" latinLnBrk="0" hangingPunct="0">
               <a:lnSpc>
                 <a:spcPct val="100000"/>
               </a:lnSpc>
@@ -3906,7 +3906,7 @@
               <a:buSzTx/>
               <a:tabLst/>
             </a:pPr>
-            <a:r xmlns:a="http://schemas.openxmlformats.org/drawingml/2006/main">
+            <a:r>
               <a:rPr kumimoji="0" lang="fr" altLang="en-US" sz="1200" b="0" i="0" u="none" strike="noStrike" cap="none" normalizeH="0" baseline="0" dirty="0" smtClean="0">
                 <a:ln>
                   <a:noFill/>
@@ -3920,7 +3920,7 @@
               </a:rPr>
               <a:t>Power BI utilise ses </a:t>
             </a:r>
-            <a:r xmlns:a="http://schemas.openxmlformats.org/drawingml/2006/main">
+            <a:r>
               <a:rPr kumimoji="0" lang="fr" altLang="en-US" sz="1200" b="1" i="0" u="none" strike="noStrike" cap="none" normalizeH="0" baseline="0" dirty="0" smtClean="0">
                 <a:ln>
                   <a:noFill/>
@@ -3934,7 +3934,7 @@
               </a:rPr>
               <a:t>capacités d'IA </a:t>
             </a:r>
-            <a:r xmlns:a="http://schemas.openxmlformats.org/drawingml/2006/main">
+            <a:r>
               <a:rPr kumimoji="0" lang="fr" altLang="en-US" sz="1200" b="0" i="0" u="none" strike="noStrike" cap="none" normalizeH="0" baseline="0" dirty="0" smtClean="0">
                 <a:ln>
                   <a:noFill/>
@@ -3959,20 +3959,20 @@
         </p:nvSpPr>
         <p:spPr>
           <a:xfrm>
-            <a:off x="8047007" y="654170"/>
-            <a:ext cx="1884170" cy="307777"/>
+            <a:off x="8047007" y="200408"/>
+            <a:ext cx="3489558" cy="307777"/>
           </a:xfrm>
           <a:prstGeom prst="rect">
             <a:avLst/>
           </a:prstGeom>
         </p:spPr>
         <p:txBody>
-          <a:bodyPr wrap="none">
+          <a:bodyPr wrap="square">
             <a:spAutoFit/>
           </a:bodyPr>
           <a:lstStyle/>
           <a:p>
-            <a:r xmlns:a="http://schemas.openxmlformats.org/drawingml/2006/main">
+            <a:r>
               <a:rPr lang="fr" sz="1400" b="1" dirty="0">
                 <a:latin typeface="Segoe UI" panose="020B0502040204020203" pitchFamily="34" charset="0"/>
                 <a:cs typeface="Segoe UI" panose="020B0502040204020203" pitchFamily="34" charset="0"/>
@@ -3992,7 +3992,7 @@
         </p:nvSpPr>
         <p:spPr bwMode="auto">
           <a:xfrm>
-            <a:off x="8047007" y="961947"/>
+            <a:off x="8047007" y="938862"/>
             <a:ext cx="3287434" cy="2123658"/>
           </a:xfrm>
           <a:prstGeom prst="rect">
@@ -4041,7 +4041,7 @@
           </a:bodyPr>
           <a:lstStyle/>
           <a:p>
-            <a:pPr xmlns:a="http://schemas.openxmlformats.org/drawingml/2006/main" marL="0" marR="0" lvl="0" indent="0" algn="l" defTabSz="914400" rtl="0" eaLnBrk="0" fontAlgn="base" latinLnBrk="0" hangingPunct="0">
+            <a:pPr marL="0" marR="0" lvl="0" indent="0" algn="l" defTabSz="914400" rtl="0" eaLnBrk="0" fontAlgn="base" latinLnBrk="0" hangingPunct="0">
               <a:lnSpc>
                 <a:spcPct val="100000"/>
               </a:lnSpc>
@@ -4055,7 +4055,7 @@
               <a:buSzTx/>
               <a:tabLst/>
             </a:pPr>
-            <a:r xmlns:a="http://schemas.openxmlformats.org/drawingml/2006/main">
+            <a:r>
               <a:rPr kumimoji="0" lang="fr" altLang="en-US" sz="1200" b="1" i="0" u="none" strike="noStrike" cap="none" normalizeH="0" baseline="0" dirty="0" smtClean="0">
                 <a:ln>
                   <a:noFill/>
@@ -4069,7 +4069,7 @@
               </a:rPr>
               <a:t>Objectif </a:t>
             </a:r>
-            <a:r xmlns:a="http://schemas.openxmlformats.org/drawingml/2006/main">
+            <a:r>
               <a:rPr kumimoji="0" lang="fr" altLang="en-US" sz="1200" b="0" i="0" u="none" strike="noStrike" cap="none" normalizeH="0" baseline="0" dirty="0" smtClean="0">
                 <a:ln>
                   <a:noFill/>
@@ -4083,7 +4083,7 @@
               </a:rPr>
               <a:t>: permet aux utilisateurs d' </a:t>
             </a:r>
-            <a:r xmlns:a="http://schemas.openxmlformats.org/drawingml/2006/main">
+            <a:r>
               <a:rPr kumimoji="0" lang="fr" altLang="en-US" sz="1200" b="1" i="0" u="none" strike="noStrike" cap="none" normalizeH="0" baseline="0" dirty="0" smtClean="0">
                 <a:ln>
                   <a:noFill/>
@@ -4097,7 +4097,7 @@
               </a:rPr>
               <a:t>améliorer les performances des questions-réponses </a:t>
             </a:r>
-            <a:r xmlns:a="http://schemas.openxmlformats.org/drawingml/2006/main">
+            <a:r>
               <a:rPr kumimoji="0" lang="fr" altLang="en-US" sz="1200" b="0" i="0" u="none" strike="noStrike" cap="none" normalizeH="0" baseline="0" dirty="0" smtClean="0">
                 <a:ln>
                   <a:noFill/>
@@ -4140,7 +4140,7 @@
             </a:endParaRPr>
           </a:p>
           <a:p>
-            <a:pPr xmlns:a="http://schemas.openxmlformats.org/drawingml/2006/main" marL="0" marR="0" lvl="0" indent="0" algn="l" defTabSz="914400" rtl="0" eaLnBrk="0" fontAlgn="base" latinLnBrk="0" hangingPunct="0">
+            <a:pPr marL="0" marR="0" lvl="0" indent="0" algn="l" defTabSz="914400" rtl="0" eaLnBrk="0" fontAlgn="base" latinLnBrk="0" hangingPunct="0">
               <a:lnSpc>
                 <a:spcPct val="100000"/>
               </a:lnSpc>
@@ -4154,7 +4154,7 @@
               <a:buSzTx/>
               <a:tabLst/>
             </a:pPr>
-            <a:r xmlns:a="http://schemas.openxmlformats.org/drawingml/2006/main">
+            <a:r>
               <a:rPr kumimoji="0" lang="fr" altLang="en-US" sz="1200" b="1" i="0" u="none" strike="noStrike" cap="none" normalizeH="0" baseline="0" dirty="0" smtClean="0">
                 <a:ln>
                   <a:noFill/>
@@ -4168,7 +4168,7 @@
               </a:rPr>
               <a:t>Pourquoi c'est utile</a:t>
             </a:r>
-            <a:r xmlns:a="http://schemas.openxmlformats.org/drawingml/2006/main">
+            <a:r>
               <a:rPr kumimoji="0" lang="fr" altLang="en-US" sz="1200" b="0" i="0" u="none" strike="noStrike" cap="none" normalizeH="0" baseline="0" dirty="0" smtClean="0">
                 <a:ln>
                   <a:noFill/>
@@ -4211,7 +4211,7 @@
             </a:endParaRPr>
           </a:p>
           <a:p>
-            <a:pPr xmlns:a="http://schemas.openxmlformats.org/drawingml/2006/main" marL="0" marR="0" lvl="0" indent="0" algn="l" defTabSz="914400" rtl="0" eaLnBrk="0" fontAlgn="base" latinLnBrk="0" hangingPunct="0">
+            <a:pPr marL="0" marR="0" lvl="0" indent="0" algn="l" defTabSz="914400" rtl="0" eaLnBrk="0" fontAlgn="base" latinLnBrk="0" hangingPunct="0">
               <a:lnSpc>
                 <a:spcPct val="100000"/>
               </a:lnSpc>
@@ -4225,7 +4225,7 @@
               <a:buSzTx/>
               <a:tabLst/>
             </a:pPr>
-            <a:r xmlns:a="http://schemas.openxmlformats.org/drawingml/2006/main">
+            <a:r>
               <a:rPr kumimoji="0" lang="fr" altLang="en-US" sz="1200" b="1" i="0" u="none" strike="noStrike" cap="none" normalizeH="0" baseline="0" dirty="0" smtClean="0">
                 <a:ln>
                   <a:noFill/>
@@ -4239,7 +4239,7 @@
               </a:rPr>
               <a:t>Exemple </a:t>
             </a:r>
-            <a:r xmlns:a="http://schemas.openxmlformats.org/drawingml/2006/main">
+            <a:r>
               <a:rPr kumimoji="0" lang="fr" altLang="en-US" sz="1200" b="0" i="0" u="none" strike="noStrike" cap="none" normalizeH="0" baseline="0" dirty="0" smtClean="0">
                 <a:ln>
                   <a:noFill/>
@@ -4351,7 +4351,7 @@
           </a:bodyPr>
           <a:lstStyle/>
           <a:p>
-            <a:r xmlns:a="http://schemas.openxmlformats.org/drawingml/2006/main">
+            <a:r>
               <a:rPr lang="fr" sz="1400" b="1">
                 <a:latin typeface="Segoe UI" panose="020B0502040204020203" pitchFamily="34" charset="0"/>
                 <a:cs typeface="Segoe UI" panose="020B0502040204020203" pitchFamily="34" charset="0"/>
@@ -4371,7 +4371,7 @@
         </p:nvSpPr>
         <p:spPr bwMode="auto">
           <a:xfrm>
-            <a:off x="423726" y="2274194"/>
+            <a:off x="338370" y="2728070"/>
             <a:ext cx="2337564" cy="3600986"/>
           </a:xfrm>
           <a:prstGeom prst="rect">
@@ -4420,7 +4420,7 @@
           </a:bodyPr>
           <a:lstStyle/>
           <a:p>
-            <a:pPr xmlns:a="http://schemas.openxmlformats.org/drawingml/2006/main" marL="0" marR="0" lvl="0" indent="0" algn="l" defTabSz="914400" rtl="0" eaLnBrk="0" fontAlgn="base" latinLnBrk="0" hangingPunct="0">
+            <a:pPr marL="0" marR="0" lvl="0" indent="0" algn="l" defTabSz="914400" rtl="0" eaLnBrk="0" fontAlgn="base" latinLnBrk="0" hangingPunct="0">
               <a:lnSpc>
                 <a:spcPct val="100000"/>
               </a:lnSpc>
@@ -4434,7 +4434,7 @@
               <a:buSzTx/>
               <a:tabLst/>
             </a:pPr>
-            <a:r xmlns:a="http://schemas.openxmlformats.org/drawingml/2006/main">
+            <a:r>
               <a:rPr kumimoji="0" lang="fr" altLang="en-US" sz="1200" b="1" i="0" u="none" strike="noStrike" cap="none" normalizeH="0" baseline="0" dirty="0" smtClean="0">
                 <a:ln>
                   <a:noFill/>
@@ -4448,7 +4448,7 @@
               </a:rPr>
               <a:t>Objectif </a:t>
             </a:r>
-            <a:r xmlns:a="http://schemas.openxmlformats.org/drawingml/2006/main">
+            <a:r>
               <a:rPr kumimoji="0" lang="fr" altLang="en-US" sz="1200" b="0" i="0" u="none" strike="noStrike" cap="none" normalizeH="0" baseline="0" dirty="0" smtClean="0">
                 <a:ln>
                   <a:noFill/>
@@ -4462,7 +4462,7 @@
               </a:rPr>
               <a:t>: Power BI génère une liste de </a:t>
             </a:r>
-            <a:r xmlns:a="http://schemas.openxmlformats.org/drawingml/2006/main">
+            <a:r>
               <a:rPr kumimoji="0" lang="fr" altLang="en-US" sz="1200" b="1" i="0" u="none" strike="noStrike" cap="none" normalizeH="0" baseline="0" dirty="0" smtClean="0">
                 <a:ln>
                   <a:noFill/>
@@ -4476,7 +4476,7 @@
               </a:rPr>
               <a:t>questions prédéfinies </a:t>
             </a:r>
-            <a:r xmlns:a="http://schemas.openxmlformats.org/drawingml/2006/main">
+            <a:r>
               <a:rPr kumimoji="0" lang="fr" altLang="en-US" sz="1200" b="0" i="0" u="none" strike="noStrike" cap="none" normalizeH="0" baseline="0" dirty="0" smtClean="0">
                 <a:ln>
                   <a:noFill/>
@@ -4519,7 +4519,7 @@
             </a:endParaRPr>
           </a:p>
           <a:p>
-            <a:pPr xmlns:a="http://schemas.openxmlformats.org/drawingml/2006/main" marL="0" marR="0" lvl="0" indent="0" algn="l" defTabSz="914400" rtl="0" eaLnBrk="0" fontAlgn="base" latinLnBrk="0" hangingPunct="0">
+            <a:pPr marL="0" marR="0" lvl="0" indent="0" algn="l" defTabSz="914400" rtl="0" eaLnBrk="0" fontAlgn="base" latinLnBrk="0" hangingPunct="0">
               <a:lnSpc>
                 <a:spcPct val="100000"/>
               </a:lnSpc>
@@ -4533,7 +4533,7 @@
               <a:buSzTx/>
               <a:tabLst/>
             </a:pPr>
-            <a:r xmlns:a="http://schemas.openxmlformats.org/drawingml/2006/main">
+            <a:r>
               <a:rPr kumimoji="0" lang="fr" altLang="en-US" sz="1200" b="1" i="0" u="none" strike="noStrike" cap="none" normalizeH="0" baseline="0" dirty="0" smtClean="0">
                 <a:ln>
                   <a:noFill/>
@@ -4547,7 +4547,7 @@
               </a:rPr>
               <a:t>Pourquoi c'est utile </a:t>
             </a:r>
-            <a:r xmlns:a="http://schemas.openxmlformats.org/drawingml/2006/main">
+            <a:r>
               <a:rPr kumimoji="0" lang="fr" altLang="en-US" sz="1200" b="0" i="0" u="none" strike="noStrike" cap="none" normalizeH="0" baseline="0" dirty="0" smtClean="0">
                 <a:ln>
                   <a:noFill/>
@@ -4563,7 +4563,7 @@
             </a:r>
           </a:p>
           <a:p>
-            <a:pPr xmlns:a="http://schemas.openxmlformats.org/drawingml/2006/main" marL="0" marR="0" lvl="0" indent="0" algn="l" defTabSz="914400" rtl="0" eaLnBrk="0" fontAlgn="base" latinLnBrk="0" hangingPunct="0">
+            <a:pPr marL="0" marR="0" lvl="0" indent="0" algn="l" defTabSz="914400" rtl="0" eaLnBrk="0" fontAlgn="base" latinLnBrk="0" hangingPunct="0">
               <a:lnSpc>
                 <a:spcPct val="100000"/>
               </a:lnSpc>
@@ -4577,7 +4577,7 @@
               <a:buSzTx/>
               <a:tabLst/>
             </a:pPr>
-            <a:r xmlns:a="http://schemas.openxmlformats.org/drawingml/2006/main">
+            <a:r>
               <a:rPr kumimoji="0" lang="fr" altLang="en-US" sz="1200" b="0" i="0" u="none" strike="noStrike" cap="none" normalizeH="0" baseline="0" dirty="0" smtClean="0">
                 <a:ln>
                   <a:noFill/>
@@ -4593,7 +4593,7 @@
             </a:r>
           </a:p>
           <a:p>
-            <a:pPr xmlns:a="http://schemas.openxmlformats.org/drawingml/2006/main" marL="0" marR="0" lvl="0" indent="0" algn="l" defTabSz="914400" rtl="0" eaLnBrk="0" fontAlgn="base" latinLnBrk="0" hangingPunct="0">
+            <a:pPr marL="0" marR="0" lvl="0" indent="0" algn="l" defTabSz="914400" rtl="0" eaLnBrk="0" fontAlgn="base" latinLnBrk="0" hangingPunct="0">
               <a:lnSpc>
                 <a:spcPct val="100000"/>
               </a:lnSpc>
@@ -4607,7 +4607,7 @@
               <a:buSzTx/>
               <a:tabLst/>
             </a:pPr>
-            <a:r xmlns:a="http://schemas.openxmlformats.org/drawingml/2006/main">
+            <a:r>
               <a:rPr kumimoji="0" lang="fr" altLang="en-US" sz="1200" b="0" i="0" u="none" strike="noStrike" cap="none" normalizeH="0" baseline="0" dirty="0" smtClean="0">
                 <a:ln>
                   <a:noFill/>
@@ -4650,7 +4650,7 @@
             </a:endParaRPr>
           </a:p>
           <a:p>
-            <a:pPr xmlns:a="http://schemas.openxmlformats.org/drawingml/2006/main" marL="0" marR="0" lvl="0" indent="0" algn="l" defTabSz="914400" rtl="0" eaLnBrk="0" fontAlgn="base" latinLnBrk="0" hangingPunct="0">
+            <a:pPr marL="0" marR="0" lvl="0" indent="0" algn="l" defTabSz="914400" rtl="0" eaLnBrk="0" fontAlgn="base" latinLnBrk="0" hangingPunct="0">
               <a:lnSpc>
                 <a:spcPct val="100000"/>
               </a:lnSpc>
@@ -4664,7 +4664,7 @@
               <a:buSzTx/>
               <a:tabLst/>
             </a:pPr>
-            <a:r xmlns:a="http://schemas.openxmlformats.org/drawingml/2006/main">
+            <a:r>
               <a:rPr kumimoji="0" lang="fr" altLang="en-US" sz="1200" b="1" i="0" u="none" strike="noStrike" cap="none" normalizeH="0" baseline="0" dirty="0" smtClean="0">
                 <a:ln>
                   <a:noFill/>
@@ -4678,7 +4678,7 @@
               </a:rPr>
               <a:t>Exemples dans la capture d'écran</a:t>
             </a:r>
-            <a:r xmlns:a="http://schemas.openxmlformats.org/drawingml/2006/main">
+            <a:r>
               <a:rPr kumimoji="0" lang="fr" altLang="en-US" sz="1200" b="0" i="0" u="none" strike="noStrike" cap="none" normalizeH="0" baseline="0" dirty="0" smtClean="0">
                 <a:ln>
                   <a:noFill/>
@@ -4694,7 +4694,7 @@
             </a:r>
           </a:p>
           <a:p>
-            <a:pPr xmlns:a="http://schemas.openxmlformats.org/drawingml/2006/main" marL="0" marR="0" lvl="0" indent="0" algn="l" defTabSz="914400" rtl="0" eaLnBrk="0" fontAlgn="base" latinLnBrk="0" hangingPunct="0">
+            <a:pPr marL="0" marR="0" lvl="0" indent="0" algn="l" defTabSz="914400" rtl="0" eaLnBrk="0" fontAlgn="base" latinLnBrk="0" hangingPunct="0">
               <a:lnSpc>
                 <a:spcPct val="100000"/>
               </a:lnSpc>
@@ -4708,7 +4708,7 @@
               <a:buSzTx/>
               <a:tabLst/>
             </a:pPr>
-            <a:r xmlns:a="http://schemas.openxmlformats.org/drawingml/2006/main">
+            <a:r>
               <a:rPr kumimoji="0" lang="fr" altLang="en-US" sz="1200" b="0" i="0" u="none" strike="noStrike" cap="none" normalizeH="0" baseline="0" dirty="0" smtClean="0">
                 <a:ln>
                   <a:noFill/>
@@ -4724,7 +4724,7 @@
             </a:r>
           </a:p>
           <a:p>
-            <a:pPr xmlns:a="http://schemas.openxmlformats.org/drawingml/2006/main" marL="0" marR="0" lvl="0" indent="0" algn="l" defTabSz="914400" rtl="0" eaLnBrk="0" fontAlgn="base" latinLnBrk="0" hangingPunct="0">
+            <a:pPr marL="0" marR="0" lvl="0" indent="0" algn="l" defTabSz="914400" rtl="0" eaLnBrk="0" fontAlgn="base" latinLnBrk="0" hangingPunct="0">
               <a:lnSpc>
                 <a:spcPct val="100000"/>
               </a:lnSpc>
@@ -4738,7 +4738,7 @@
               <a:buSzTx/>
               <a:tabLst/>
             </a:pPr>
-            <a:r xmlns:a="http://schemas.openxmlformats.org/drawingml/2006/main">
+            <a:r>
               <a:rPr kumimoji="0" lang="fr" altLang="en-US" sz="1200" b="0" i="0" u="none" strike="noStrike" cap="none" normalizeH="0" baseline="0" dirty="0" smtClean="0">
                 <a:ln>
                   <a:noFill/>
@@ -4834,14 +4834,14 @@
           </a:bodyPr>
           <a:lstStyle/>
           <a:p>
-            <a:r xmlns:a="http://schemas.openxmlformats.org/drawingml/2006/main">
+            <a:r>
               <a:rPr lang="fr" sz="2400" dirty="0" smtClean="0">
                 <a:latin typeface="Segoe UI" panose="020B0502040204020203" pitchFamily="34" charset="0"/>
                 <a:cs typeface="Segoe UI" panose="020B0502040204020203" pitchFamily="34" charset="0"/>
               </a:rPr>
               <a:t>Questions et réponses</a:t>
             </a:r>
-            <a:endParaRPr xmlns:a="http://schemas.openxmlformats.org/drawingml/2006/main" lang="en-US" sz="2400" dirty="0">
+            <a:endParaRPr lang="en-US" sz="2400" dirty="0">
               <a:latin typeface="Segoe UI" panose="020B0502040204020203" pitchFamily="34" charset="0"/>
               <a:cs typeface="Segoe UI" panose="020B0502040204020203" pitchFamily="34" charset="0"/>
             </a:endParaRPr>
@@ -4857,7 +4857,7 @@
         <p:spPr>
           <a:xfrm>
             <a:off x="378135" y="756271"/>
-            <a:ext cx="10653686" cy="646331"/>
+            <a:ext cx="9990748" cy="646331"/>
           </a:xfrm>
           <a:prstGeom prst="rect">
             <a:avLst/>
@@ -4870,58 +4870,83 @@
           </a:bodyPr>
           <a:lstStyle/>
           <a:p>
-            <a:r xmlns:a="http://schemas.openxmlformats.org/drawingml/2006/main">
+            <a:r>
               <a:rPr lang="fr" dirty="0" smtClean="0">
                 <a:latin typeface="Segoe UI" panose="020B0502040204020203" pitchFamily="34" charset="0"/>
                 <a:cs typeface="Segoe UI" panose="020B0502040204020203" pitchFamily="34" charset="0"/>
               </a:rPr>
               <a:t>L' </a:t>
             </a:r>
-            <a:r xmlns:a="http://schemas.openxmlformats.org/drawingml/2006/main">
+            <a:r>
               <a:rPr lang="fr" b="1" dirty="0" smtClean="0">
                 <a:latin typeface="Segoe UI" panose="020B0502040204020203" pitchFamily="34" charset="0"/>
                 <a:cs typeface="Segoe UI" panose="020B0502040204020203" pitchFamily="34" charset="0"/>
               </a:rPr>
               <a:t>ajout de synonymes mène désormais </a:t>
             </a:r>
-            <a:r xmlns:a="http://schemas.openxmlformats.org/drawingml/2006/main">
+            <a:r>
               <a:rPr lang="fr" dirty="0" smtClean="0">
                 <a:latin typeface="Segoe UI" panose="020B0502040204020203" pitchFamily="34" charset="0"/>
                 <a:cs typeface="Segoe UI" panose="020B0502040204020203" pitchFamily="34" charset="0"/>
               </a:rPr>
-              <a:t>à cette page de configuration pour ajouter comme un langage humain naturel pour créer</a:t>
-            </a:r>
-          </a:p>
-          <a:p>
-            <a:r xmlns:a="http://schemas.openxmlformats.org/drawingml/2006/main">
+              <a:t>à cette page de configuration pour ajouter comme un </a:t>
+            </a:r>
+            <a:endParaRPr lang="fr" dirty="0" smtClean="0">
+              <a:latin typeface="Segoe UI" panose="020B0502040204020203" pitchFamily="34" charset="0"/>
+              <a:cs typeface="Segoe UI" panose="020B0502040204020203" pitchFamily="34" charset="0"/>
+            </a:endParaRPr>
+          </a:p>
+          <a:p>
+            <a:r>
               <a:rPr lang="fr" dirty="0" smtClean="0">
                 <a:latin typeface="Segoe UI" panose="020B0502040204020203" pitchFamily="34" charset="0"/>
                 <a:cs typeface="Segoe UI" panose="020B0502040204020203" pitchFamily="34" charset="0"/>
               </a:rPr>
-              <a:t>plus flexible</a:t>
-            </a:r>
-            <a:r xmlns:a="http://schemas.openxmlformats.org/drawingml/2006/main">
+              <a:t>langage </a:t>
+            </a:r>
+            <a:r>
+              <a:rPr lang="fr" dirty="0" smtClean="0">
+                <a:latin typeface="Segoe UI" panose="020B0502040204020203" pitchFamily="34" charset="0"/>
+                <a:cs typeface="Segoe UI" panose="020B0502040204020203" pitchFamily="34" charset="0"/>
+              </a:rPr>
+              <a:t>humain naturel pour </a:t>
+            </a:r>
+            <a:r>
+              <a:rPr lang="fr" dirty="0" smtClean="0">
+                <a:latin typeface="Segoe UI" panose="020B0502040204020203" pitchFamily="34" charset="0"/>
+                <a:cs typeface="Segoe UI" panose="020B0502040204020203" pitchFamily="34" charset="0"/>
+              </a:rPr>
+              <a:t>créer plus </a:t>
+            </a:r>
+            <a:r>
+              <a:rPr lang="fr" dirty="0" smtClean="0">
+                <a:latin typeface="Segoe UI" panose="020B0502040204020203" pitchFamily="34" charset="0"/>
+                <a:cs typeface="Segoe UI" panose="020B0502040204020203" pitchFamily="34" charset="0"/>
+              </a:rPr>
+              <a:t>flexible</a:t>
+            </a:r>
+            <a:r>
               <a:rPr lang="fr" b="1" dirty="0" smtClean="0">
                 <a:latin typeface="Segoe UI" panose="020B0502040204020203" pitchFamily="34" charset="0"/>
                 <a:cs typeface="Segoe UI" panose="020B0502040204020203" pitchFamily="34" charset="0"/>
               </a:rPr>
               <a:t> </a:t>
             </a:r>
-            <a:r xmlns:a="http://schemas.openxmlformats.org/drawingml/2006/main">
+            <a:r>
               <a:rPr lang="fr" dirty="0" smtClean="0">
                 <a:latin typeface="Segoe UI" panose="020B0502040204020203" pitchFamily="34" charset="0"/>
                 <a:cs typeface="Segoe UI" panose="020B0502040204020203" pitchFamily="34" charset="0"/>
               </a:rPr>
               <a:t>expressions lors de la rédaction de questions</a:t>
             </a:r>
-            <a:r xmlns:a="http://schemas.openxmlformats.org/drawingml/2006/main">
+            <a:r>
               <a:rPr lang="fr" b="1" dirty="0" smtClean="0">
                 <a:latin typeface="Segoe UI" panose="020B0502040204020203" pitchFamily="34" charset="0"/>
                 <a:cs typeface="Segoe UI" panose="020B0502040204020203" pitchFamily="34" charset="0"/>
               </a:rPr>
               <a:t> </a:t>
             </a:r>
-            <a:endParaRPr xmlns:a="http://schemas.openxmlformats.org/drawingml/2006/main" lang="en-US" b="1" dirty="0">
+            <a:endParaRPr lang="en-US" b="1" dirty="0">
               <a:latin typeface="Segoe UI" panose="020B0502040204020203" pitchFamily="34" charset="0"/>
               <a:cs typeface="Segoe UI" panose="020B0502040204020203" pitchFamily="34" charset="0"/>
             </a:endParaRPr>
@@ -5048,14 +5073,14 @@
           </a:bodyPr>
           <a:lstStyle/>
           <a:p>
-            <a:r xmlns:a="http://schemas.openxmlformats.org/drawingml/2006/main">
+            <a:r>
               <a:rPr lang="fr" sz="2400" dirty="0" smtClean="0">
                 <a:latin typeface="Segoe UI" panose="020B0502040204020203" pitchFamily="34" charset="0"/>
                 <a:cs typeface="Segoe UI" panose="020B0502040204020203" pitchFamily="34" charset="0"/>
               </a:rPr>
               <a:t>Questions et réponses</a:t>
             </a:r>
-            <a:endParaRPr xmlns:a="http://schemas.openxmlformats.org/drawingml/2006/main" lang="en-US" sz="2400" dirty="0">
+            <a:endParaRPr lang="en-US" sz="2400" dirty="0">
               <a:latin typeface="Segoe UI" panose="020B0502040204020203" pitchFamily="34" charset="0"/>
               <a:cs typeface="Segoe UI" panose="020B0502040204020203" pitchFamily="34" charset="0"/>
             </a:endParaRPr>
@@ -5071,7 +5096,7 @@
         <p:spPr>
           <a:xfrm>
             <a:off x="378135" y="756271"/>
-            <a:ext cx="10653686" cy="646331"/>
+            <a:ext cx="9902839" cy="646331"/>
           </a:xfrm>
           <a:prstGeom prst="rect">
             <a:avLst/>
@@ -5084,58 +5109,83 @@
           </a:bodyPr>
           <a:lstStyle/>
           <a:p>
-            <a:r xmlns:a="http://schemas.openxmlformats.org/drawingml/2006/main">
+            <a:r>
               <a:rPr lang="fr" dirty="0" smtClean="0">
                 <a:latin typeface="Segoe UI" panose="020B0502040204020203" pitchFamily="34" charset="0"/>
                 <a:cs typeface="Segoe UI" panose="020B0502040204020203" pitchFamily="34" charset="0"/>
               </a:rPr>
               <a:t>L' </a:t>
             </a:r>
-            <a:r xmlns:a="http://schemas.openxmlformats.org/drawingml/2006/main">
+            <a:r>
               <a:rPr lang="fr" b="1" dirty="0" smtClean="0">
                 <a:latin typeface="Segoe UI" panose="020B0502040204020203" pitchFamily="34" charset="0"/>
                 <a:cs typeface="Segoe UI" panose="020B0502040204020203" pitchFamily="34" charset="0"/>
               </a:rPr>
               <a:t>ajout de synonymes mène désormais </a:t>
             </a:r>
-            <a:r xmlns:a="http://schemas.openxmlformats.org/drawingml/2006/main">
+            <a:r>
               <a:rPr lang="fr" dirty="0" smtClean="0">
                 <a:latin typeface="Segoe UI" panose="020B0502040204020203" pitchFamily="34" charset="0"/>
                 <a:cs typeface="Segoe UI" panose="020B0502040204020203" pitchFamily="34" charset="0"/>
               </a:rPr>
-              <a:t>à cette page de configuration pour ajouter comme un langage humain naturel pour créer</a:t>
-            </a:r>
-          </a:p>
-          <a:p>
-            <a:r xmlns:a="http://schemas.openxmlformats.org/drawingml/2006/main">
+              <a:t>à cette page de configuration pour ajouter comme </a:t>
+            </a:r>
+            <a:endParaRPr lang="fr" dirty="0" smtClean="0">
+              <a:latin typeface="Segoe UI" panose="020B0502040204020203" pitchFamily="34" charset="0"/>
+              <a:cs typeface="Segoe UI" panose="020B0502040204020203" pitchFamily="34" charset="0"/>
+            </a:endParaRPr>
+          </a:p>
+          <a:p>
+            <a:r>
               <a:rPr lang="fr" dirty="0" smtClean="0">
                 <a:latin typeface="Segoe UI" panose="020B0502040204020203" pitchFamily="34" charset="0"/>
                 <a:cs typeface="Segoe UI" panose="020B0502040204020203" pitchFamily="34" charset="0"/>
               </a:rPr>
-              <a:t>plus flexible</a:t>
-            </a:r>
-            <a:r xmlns:a="http://schemas.openxmlformats.org/drawingml/2006/main">
+              <a:t>un </a:t>
+            </a:r>
+            <a:r>
+              <a:rPr lang="fr" dirty="0" smtClean="0">
+                <a:latin typeface="Segoe UI" panose="020B0502040204020203" pitchFamily="34" charset="0"/>
+                <a:cs typeface="Segoe UI" panose="020B0502040204020203" pitchFamily="34" charset="0"/>
+              </a:rPr>
+              <a:t>langage humain naturel pour </a:t>
+            </a:r>
+            <a:r>
+              <a:rPr lang="fr" dirty="0" smtClean="0">
+                <a:latin typeface="Segoe UI" panose="020B0502040204020203" pitchFamily="34" charset="0"/>
+                <a:cs typeface="Segoe UI" panose="020B0502040204020203" pitchFamily="34" charset="0"/>
+              </a:rPr>
+              <a:t>créer plus </a:t>
+            </a:r>
+            <a:r>
+              <a:rPr lang="fr" dirty="0" smtClean="0">
+                <a:latin typeface="Segoe UI" panose="020B0502040204020203" pitchFamily="34" charset="0"/>
+                <a:cs typeface="Segoe UI" panose="020B0502040204020203" pitchFamily="34" charset="0"/>
+              </a:rPr>
+              <a:t>flexible</a:t>
+            </a:r>
+            <a:r>
               <a:rPr lang="fr" b="1" dirty="0" smtClean="0">
                 <a:latin typeface="Segoe UI" panose="020B0502040204020203" pitchFamily="34" charset="0"/>
                 <a:cs typeface="Segoe UI" panose="020B0502040204020203" pitchFamily="34" charset="0"/>
               </a:rPr>
               <a:t> </a:t>
             </a:r>
-            <a:r xmlns:a="http://schemas.openxmlformats.org/drawingml/2006/main">
+            <a:r>
               <a:rPr lang="fr" dirty="0" smtClean="0">
                 <a:latin typeface="Segoe UI" panose="020B0502040204020203" pitchFamily="34" charset="0"/>
                 <a:cs typeface="Segoe UI" panose="020B0502040204020203" pitchFamily="34" charset="0"/>
               </a:rPr>
               <a:t>expressions lors de la rédaction de questions</a:t>
             </a:r>
-            <a:r xmlns:a="http://schemas.openxmlformats.org/drawingml/2006/main">
+            <a:r>
               <a:rPr lang="fr" b="1" dirty="0" smtClean="0">
                 <a:latin typeface="Segoe UI" panose="020B0502040204020203" pitchFamily="34" charset="0"/>
                 <a:cs typeface="Segoe UI" panose="020B0502040204020203" pitchFamily="34" charset="0"/>
               </a:rPr>
               <a:t> </a:t>
             </a:r>
-            <a:endParaRPr xmlns:a="http://schemas.openxmlformats.org/drawingml/2006/main" lang="en-US" b="1" dirty="0">
+            <a:endParaRPr lang="en-US" b="1" dirty="0">
               <a:latin typeface="Segoe UI" panose="020B0502040204020203" pitchFamily="34" charset="0"/>
               <a:cs typeface="Segoe UI" panose="020B0502040204020203" pitchFamily="34" charset="0"/>
             </a:endParaRPr>
@@ -5244,14 +5294,14 @@
           </a:bodyPr>
           <a:lstStyle/>
           <a:p>
-            <a:r xmlns:a="http://schemas.openxmlformats.org/drawingml/2006/main">
+            <a:r>
               <a:rPr lang="fr" dirty="0" smtClean="0">
                 <a:latin typeface="Segoe UI" panose="020B0502040204020203" pitchFamily="34" charset="0"/>
                 <a:cs typeface="Segoe UI" panose="020B0502040204020203" pitchFamily="34" charset="0"/>
               </a:rPr>
               <a:t>Pour afficher la boîte de dialogue de configuration globale</a:t>
             </a:r>
-            <a:endParaRPr xmlns:a="http://schemas.openxmlformats.org/drawingml/2006/main" lang="en-US" dirty="0"/>
+            <a:endParaRPr lang="en-US" dirty="0"/>
           </a:p>
         </p:txBody>
       </p:sp>
@@ -5276,14 +5326,14 @@
           </a:bodyPr>
           <a:lstStyle/>
           <a:p>
-            <a:r xmlns:a="http://schemas.openxmlformats.org/drawingml/2006/main">
+            <a:r>
               <a:rPr lang="fr" dirty="0" smtClean="0">
                 <a:latin typeface="Segoe UI" panose="020B0502040204020203" pitchFamily="34" charset="0"/>
                 <a:cs typeface="Segoe UI" panose="020B0502040204020203" pitchFamily="34" charset="0"/>
               </a:rPr>
               <a:t>Pour convertir la question en visuel</a:t>
             </a:r>
-            <a:endParaRPr xmlns:a="http://schemas.openxmlformats.org/drawingml/2006/main" lang="en-US" dirty="0"/>
+            <a:endParaRPr lang="en-US" dirty="0"/>
           </a:p>
         </p:txBody>
       </p:sp>
@@ -5415,14 +5465,14 @@
           </a:bodyPr>
           <a:lstStyle/>
           <a:p>
-            <a:r xmlns:a="http://schemas.openxmlformats.org/drawingml/2006/main">
+            <a:r>
               <a:rPr lang="fr" sz="2400" dirty="0" smtClean="0">
                 <a:latin typeface="Segoe UI" panose="020B0502040204020203" pitchFamily="34" charset="0"/>
                 <a:cs typeface="Segoe UI" panose="020B0502040204020203" pitchFamily="34" charset="0"/>
               </a:rPr>
               <a:t>Questions et réponses</a:t>
             </a:r>
-            <a:endParaRPr xmlns:a="http://schemas.openxmlformats.org/drawingml/2006/main" lang="en-US" sz="2400" dirty="0">
+            <a:endParaRPr lang="en-US" sz="2400" dirty="0">
               <a:latin typeface="Segoe UI" panose="020B0502040204020203" pitchFamily="34" charset="0"/>
               <a:cs typeface="Segoe UI" panose="020B0502040204020203" pitchFamily="34" charset="0"/>
             </a:endParaRPr>
@@ -5451,14 +5501,14 @@
           </a:bodyPr>
           <a:lstStyle/>
           <a:p>
-            <a:r xmlns:a="http://schemas.openxmlformats.org/drawingml/2006/main">
+            <a:r>
               <a:rPr lang="fr" dirty="0" smtClean="0">
                 <a:latin typeface="Segoe UI" panose="020B0502040204020203" pitchFamily="34" charset="0"/>
                 <a:cs typeface="Segoe UI" panose="020B0502040204020203" pitchFamily="34" charset="0"/>
               </a:rPr>
               <a:t>Voici un exemple d'utilisation de Q et R</a:t>
             </a:r>
-            <a:endParaRPr xmlns:a="http://schemas.openxmlformats.org/drawingml/2006/main" lang="en-US" b="1" dirty="0">
+            <a:endParaRPr lang="en-US" b="1" dirty="0">
               <a:latin typeface="Segoe UI" panose="020B0502040204020203" pitchFamily="34" charset="0"/>
               <a:cs typeface="Segoe UI" panose="020B0502040204020203" pitchFamily="34" charset="0"/>
             </a:endParaRPr>
@@ -5598,7 +5648,7 @@
           </a:bodyPr>
           <a:lstStyle/>
           <a:p>
-            <a:r xmlns:a="http://schemas.openxmlformats.org/drawingml/2006/main">
+            <a:r>
               <a:rPr lang="fr" sz="9600" b="1" dirty="0" smtClean="0">
                 <a:solidFill>
                   <a:srgbClr val="7030A0"/>
@@ -5609,7 +5659,7 @@
               </a:rPr>
               <a:t>Merci</a:t>
             </a:r>
-            <a:endParaRPr xmlns:a="http://schemas.openxmlformats.org/drawingml/2006/main" lang="en-US" sz="9600" b="1" dirty="0">
+            <a:endParaRPr lang="en-US" sz="9600" b="1" dirty="0">
               <a:solidFill>
                 <a:srgbClr val="7030A0"/>
               </a:solidFill>
@@ -5642,7 +5692,7 @@
           </a:bodyPr>
           <a:lstStyle/>
           <a:p>
-            <a:r xmlns:a="http://schemas.openxmlformats.org/drawingml/2006/main">
+            <a:r>
               <a:rPr lang="fr" sz="9600" b="1" dirty="0" smtClean="0">
                 <a:solidFill>
                   <a:schemeClr val="bg1"/>
@@ -5653,7 +5703,7 @@
               </a:rPr>
               <a:t>Merci</a:t>
             </a:r>
-            <a:endParaRPr xmlns:a="http://schemas.openxmlformats.org/drawingml/2006/main" lang="en-US" sz="9600" b="1" dirty="0">
+            <a:endParaRPr lang="en-US" sz="9600" b="1" dirty="0">
               <a:solidFill>
                 <a:schemeClr val="bg1"/>
               </a:solidFill>
